--- a/Lecture Notes-Slides/Lecture 13 - NLP.pptx
+++ b/Lecture Notes-Slides/Lecture 13 - NLP.pptx
@@ -319,7 +319,7 @@
           <a:p>
             <a:fld id="{3F19009C-E741-1B48-B543-CD06FF38EAB6}" type="datetimeFigureOut">
               <a:rPr lang="en-US" smtClean="0"/>
-              <a:t>7/25/16</a:t>
+              <a:t>7/26/16</a:t>
             </a:fld>
             <a:endParaRPr lang="en-US"/>
           </a:p>
@@ -484,7 +484,7 @@
           <a:p>
             <a:fld id="{3F19009C-E741-1B48-B543-CD06FF38EAB6}" type="datetimeFigureOut">
               <a:rPr lang="en-US" smtClean="0"/>
-              <a:t>7/25/16</a:t>
+              <a:t>7/26/16</a:t>
             </a:fld>
             <a:endParaRPr lang="en-US"/>
           </a:p>
@@ -659,7 +659,7 @@
           <a:p>
             <a:fld id="{3F19009C-E741-1B48-B543-CD06FF38EAB6}" type="datetimeFigureOut">
               <a:rPr lang="en-US" smtClean="0"/>
-              <a:t>7/25/16</a:t>
+              <a:t>7/26/16</a:t>
             </a:fld>
             <a:endParaRPr lang="en-US"/>
           </a:p>
@@ -824,7 +824,7 @@
           <a:p>
             <a:fld id="{3F19009C-E741-1B48-B543-CD06FF38EAB6}" type="datetimeFigureOut">
               <a:rPr lang="en-US" smtClean="0"/>
-              <a:t>7/25/16</a:t>
+              <a:t>7/26/16</a:t>
             </a:fld>
             <a:endParaRPr lang="en-US"/>
           </a:p>
@@ -1065,7 +1065,7 @@
           <a:p>
             <a:fld id="{3F19009C-E741-1B48-B543-CD06FF38EAB6}" type="datetimeFigureOut">
               <a:rPr lang="en-US" smtClean="0"/>
-              <a:t>7/25/16</a:t>
+              <a:t>7/26/16</a:t>
             </a:fld>
             <a:endParaRPr lang="en-US"/>
           </a:p>
@@ -1348,7 +1348,7 @@
           <a:p>
             <a:fld id="{3F19009C-E741-1B48-B543-CD06FF38EAB6}" type="datetimeFigureOut">
               <a:rPr lang="en-US" smtClean="0"/>
-              <a:t>7/25/16</a:t>
+              <a:t>7/26/16</a:t>
             </a:fld>
             <a:endParaRPr lang="en-US"/>
           </a:p>
@@ -1777,7 +1777,7 @@
           <a:p>
             <a:fld id="{3F19009C-E741-1B48-B543-CD06FF38EAB6}" type="datetimeFigureOut">
               <a:rPr lang="en-US" smtClean="0"/>
-              <a:t>7/25/16</a:t>
+              <a:t>7/26/16</a:t>
             </a:fld>
             <a:endParaRPr lang="en-US"/>
           </a:p>
@@ -1890,7 +1890,7 @@
           <a:p>
             <a:fld id="{3F19009C-E741-1B48-B543-CD06FF38EAB6}" type="datetimeFigureOut">
               <a:rPr lang="en-US" smtClean="0"/>
-              <a:t>7/25/16</a:t>
+              <a:t>7/26/16</a:t>
             </a:fld>
             <a:endParaRPr lang="en-US"/>
           </a:p>
@@ -1980,7 +1980,7 @@
           <a:p>
             <a:fld id="{3F19009C-E741-1B48-B543-CD06FF38EAB6}" type="datetimeFigureOut">
               <a:rPr lang="en-US" smtClean="0"/>
-              <a:t>7/25/16</a:t>
+              <a:t>7/26/16</a:t>
             </a:fld>
             <a:endParaRPr lang="en-US"/>
           </a:p>
@@ -2169,7 +2169,7 @@
           <a:p>
             <a:fld id="{3F19009C-E741-1B48-B543-CD06FF38EAB6}" type="datetimeFigureOut">
               <a:rPr lang="en-US" smtClean="0"/>
-              <a:t>7/25/16</a:t>
+              <a:t>7/26/16</a:t>
             </a:fld>
             <a:endParaRPr lang="en-US"/>
           </a:p>
@@ -2487,7 +2487,7 @@
           <a:p>
             <a:fld id="{3F19009C-E741-1B48-B543-CD06FF38EAB6}" type="datetimeFigureOut">
               <a:rPr lang="en-US" smtClean="0"/>
-              <a:t>7/25/16</a:t>
+              <a:t>7/26/16</a:t>
             </a:fld>
             <a:endParaRPr lang="en-US"/>
           </a:p>
@@ -2866,7 +2866,7 @@
           <a:p>
             <a:fld id="{3F19009C-E741-1B48-B543-CD06FF38EAB6}" type="datetimeFigureOut">
               <a:rPr lang="en-US" smtClean="0"/>
-              <a:t>7/25/16</a:t>
+              <a:t>7/26/16</a:t>
             </a:fld>
             <a:endParaRPr lang="en-US"/>
           </a:p>
@@ -6374,8 +6374,13 @@
             </a:r>
             <a:r>
               <a:rPr lang="en-US" dirty="0" smtClean="0"/>
-              <a:t>(t, d))</a:t>
-            </a:r>
+              <a:t>(t, d)</a:t>
+            </a:r>
+            <a:r>
+              <a:rPr lang="en-US" dirty="0" smtClean="0"/>
+              <a:t>))</a:t>
+            </a:r>
+            <a:endParaRPr lang="en-US" dirty="0" smtClean="0"/>
           </a:p>
           <a:p>
             <a:pPr lvl="1"/>
@@ -6613,6 +6618,13 @@
   <p:clrMapOvr>
     <a:masterClrMapping/>
   </p:clrMapOvr>
+  <p:timing>
+    <p:tnLst>
+      <p:par>
+        <p:cTn xmlns:p14="http://schemas.microsoft.com/office/powerpoint/2010/main" id="1" dur="indefinite" restart="never" nodeType="tmRoot"/>
+      </p:par>
+    </p:tnLst>
+  </p:timing>
 </p:sld>
 </file>
 
@@ -6707,6 +6719,13 @@
   <p:clrMapOvr>
     <a:masterClrMapping/>
   </p:clrMapOvr>
+  <p:timing>
+    <p:tnLst>
+      <p:par>
+        <p:cTn xmlns:p14="http://schemas.microsoft.com/office/powerpoint/2010/main" id="1" dur="indefinite" restart="never" nodeType="tmRoot"/>
+      </p:par>
+    </p:tnLst>
+  </p:timing>
 </p:sld>
 </file>
 
@@ -7063,14 +7082,12 @@
           </a:p>
           <a:p>
             <a:r>
+              <a:rPr lang="en-US" smtClean="0"/>
+              <a:t>Stop </a:t>
+            </a:r>
+            <a:r>
               <a:rPr lang="en-US" dirty="0" smtClean="0"/>
-              <a:t>Parsing and tagging trees</a:t>
-            </a:r>
-          </a:p>
-          <a:p>
-            <a:r>
-              <a:rPr lang="en-US" dirty="0" smtClean="0"/>
-              <a:t>Stop Words</a:t>
+              <a:t>Words</a:t>
             </a:r>
           </a:p>
           <a:p>
@@ -7336,55 +7353,6 @@
                                           <p:spTgt spid="3">
                                             <p:txEl>
                                               <p:pRg st="4" end="4"/>
-                                            </p:txEl>
-                                          </p:spTgt>
-                                        </p:tgtEl>
-                                        <p:attrNameLst>
-                                          <p:attrName>style.visibility</p:attrName>
-                                        </p:attrNameLst>
-                                      </p:cBhvr>
-                                      <p:to>
-                                        <p:strVal val="visible"/>
-                                      </p:to>
-                                    </p:set>
-                                  </p:childTnLst>
-                                </p:cTn>
-                              </p:par>
-                            </p:childTnLst>
-                          </p:cTn>
-                        </p:par>
-                      </p:childTnLst>
-                    </p:cTn>
-                  </p:par>
-                  <p:par>
-                    <p:cTn id="23" fill="hold">
-                      <p:stCondLst>
-                        <p:cond delay="indefinite"/>
-                      </p:stCondLst>
-                      <p:childTnLst>
-                        <p:par>
-                          <p:cTn id="24" fill="hold">
-                            <p:stCondLst>
-                              <p:cond delay="0"/>
-                            </p:stCondLst>
-                            <p:childTnLst>
-                              <p:par>
-                                <p:cTn id="25" presetID="1" presetClass="entr" presetSubtype="0" fill="hold" grpId="0" nodeType="clickEffect">
-                                  <p:stCondLst>
-                                    <p:cond delay="0"/>
-                                  </p:stCondLst>
-                                  <p:childTnLst>
-                                    <p:set>
-                                      <p:cBhvr>
-                                        <p:cTn id="26" dur="1" fill="hold">
-                                          <p:stCondLst>
-                                            <p:cond delay="0"/>
-                                          </p:stCondLst>
-                                        </p:cTn>
-                                        <p:tgtEl>
-                                          <p:spTgt spid="3">
-                                            <p:txEl>
-                                              <p:pRg st="5" end="5"/>
                                             </p:txEl>
                                           </p:spTgt>
                                         </p:tgtEl>
